--- a/assets/img/Training-Pyramid.pptx
+++ b/assets/img/Training-Pyramid.pptx
@@ -524,7 +524,7 @@
         <p:spPr>
           <a:xfrm>
             <a:off x="1524000" y="3602037"/>
-            <a:ext cx="9144000" cy="1655768"/>
+            <a:ext cx="9144000" cy="1655769"/>
           </a:xfrm>
           <a:prstGeom prst="rect">
             <a:avLst/>
@@ -1047,7 +1047,7 @@
         <p:spPr>
           <a:xfrm>
             <a:off x="831850" y="4589462"/>
-            <a:ext cx="10515600" cy="1500193"/>
+            <a:ext cx="10515600" cy="1500194"/>
           </a:xfrm>
           <a:prstGeom prst="rect">
             <a:avLst/>
@@ -1342,7 +1342,7 @@
         <p:spPr>
           <a:xfrm>
             <a:off x="839787" y="1681163"/>
-            <a:ext cx="5157790" cy="823918"/>
+            <a:ext cx="5157790" cy="823919"/>
           </a:xfrm>
           <a:prstGeom prst="rect">
             <a:avLst/>
@@ -1710,7 +1710,7 @@
         <p:spPr>
           <a:xfrm>
             <a:off x="839783" y="2057400"/>
-            <a:ext cx="3932248" cy="3811588"/>
+            <a:ext cx="3932249" cy="3811588"/>
           </a:xfrm>
           <a:prstGeom prst="rect">
             <a:avLst/>
@@ -2941,7 +2941,7 @@
         <p:spPr>
           <a:xfrm>
             <a:off x="3321560" y="3679018"/>
-            <a:ext cx="5488624" cy="1393908"/>
+            <a:ext cx="5488624" cy="1393909"/>
           </a:xfrm>
           <a:custGeom>
             <a:avLst/>
@@ -3016,8 +3016,8 @@
         </p:nvSpPr>
         <p:spPr>
           <a:xfrm>
-            <a:off x="5199318" y="789421"/>
-            <a:ext cx="1786275" cy="1393909"/>
+            <a:off x="5199317" y="789420"/>
+            <a:ext cx="1786277" cy="1393910"/>
           </a:xfrm>
           <a:custGeom>
             <a:avLst/>
@@ -3090,7 +3090,7 @@
         <p:spPr>
           <a:xfrm>
             <a:off x="2393435" y="5140976"/>
-            <a:ext cx="7379001" cy="1393908"/>
+            <a:ext cx="7379001" cy="1393909"/>
           </a:xfrm>
           <a:custGeom>
             <a:avLst/>
@@ -3168,7 +3168,7 @@
         </p:nvCxnSpPr>
         <p:spPr>
           <a:xfrm>
-            <a:off x="6065872" y="4375971"/>
+            <a:off x="6065872" y="4375972"/>
             <a:ext cx="17064" cy="1461959"/>
           </a:xfrm>
           <a:prstGeom prst="straightConnector1">
@@ -3240,7 +3240,7 @@
         </p:nvSpPr>
         <p:spPr>
           <a:xfrm>
-            <a:off x="6347110" y="5293397"/>
+            <a:off x="6347109" y="5293397"/>
             <a:ext cx="2382696" cy="1158237"/>
           </a:xfrm>
           <a:prstGeom prst="rect">
@@ -3360,8 +3360,8 @@
         </p:nvSpPr>
         <p:spPr>
           <a:xfrm>
-            <a:off x="4284917" y="2229821"/>
-            <a:ext cx="3615076" cy="1393908"/>
+            <a:off x="4284916" y="2229821"/>
+            <a:ext cx="3615078" cy="1393909"/>
           </a:xfrm>
           <a:custGeom>
             <a:avLst/>
@@ -3532,7 +3532,7 @@
         <p:spPr>
           <a:xfrm flipH="1">
             <a:off x="7562783" y="2031706"/>
-            <a:ext cx="1265279" cy="581874"/>
+            <a:ext cx="1265280" cy="581874"/>
           </a:xfrm>
           <a:custGeom>
             <a:avLst/>
@@ -3603,7 +3603,7 @@
         <p:spPr>
           <a:xfrm flipH="1">
             <a:off x="8454066" y="3522281"/>
-            <a:ext cx="1265279" cy="581876"/>
+            <a:ext cx="1265280" cy="581877"/>
           </a:xfrm>
           <a:custGeom>
             <a:avLst/>
@@ -3674,7 +3674,7 @@
         <p:spPr>
           <a:xfrm flipV="1" rot="10800000">
             <a:off x="8757022" y="4140063"/>
-            <a:ext cx="1265279" cy="581876"/>
+            <a:ext cx="1265280" cy="581877"/>
           </a:xfrm>
           <a:custGeom>
             <a:avLst/>
@@ -3834,7 +3834,7 @@
         </p:nvSpPr>
         <p:spPr>
           <a:xfrm>
-            <a:off x="376629" y="2097633"/>
+            <a:off x="376628" y="2097633"/>
             <a:ext cx="2772775" cy="358137"/>
           </a:xfrm>
           <a:prstGeom prst="rect">
@@ -3880,7 +3880,7 @@
         <p:spPr>
           <a:xfrm flipH="1">
             <a:off x="7832307" y="2624090"/>
-            <a:ext cx="1265279" cy="581874"/>
+            <a:ext cx="1265280" cy="581874"/>
           </a:xfrm>
           <a:custGeom>
             <a:avLst/>
@@ -4041,7 +4041,7 @@
         <p:spPr>
           <a:xfrm flipH="1">
             <a:off x="9426391" y="5188482"/>
-            <a:ext cx="1265279" cy="581876"/>
+            <a:ext cx="1265280" cy="581877"/>
           </a:xfrm>
           <a:custGeom>
             <a:avLst/>
@@ -4157,7 +4157,7 @@
         <p:spPr>
           <a:xfrm flipH="1">
             <a:off x="9571776" y="5474901"/>
-            <a:ext cx="1265279" cy="581876"/>
+            <a:ext cx="1265280" cy="581877"/>
           </a:xfrm>
           <a:custGeom>
             <a:avLst/>
@@ -4228,7 +4228,7 @@
         <p:spPr>
           <a:xfrm flipH="1">
             <a:off x="9793195" y="5736878"/>
-            <a:ext cx="1265280" cy="581876"/>
+            <a:ext cx="1265281" cy="581877"/>
           </a:xfrm>
           <a:custGeom>
             <a:avLst/>
@@ -4438,8 +4438,8 @@
         </p:nvSpPr>
         <p:spPr>
           <a:xfrm>
-            <a:off x="2217484" y="3698275"/>
-            <a:ext cx="1365467" cy="396879"/>
+            <a:off x="2217483" y="3698275"/>
+            <a:ext cx="1365469" cy="396880"/>
           </a:xfrm>
           <a:custGeom>
             <a:avLst/>
@@ -4555,7 +4555,7 @@
         <p:spPr>
           <a:xfrm>
             <a:off x="2083315" y="4212940"/>
-            <a:ext cx="1365467" cy="396879"/>
+            <a:ext cx="1365468" cy="396880"/>
           </a:xfrm>
           <a:custGeom>
             <a:avLst/>
@@ -4671,7 +4671,7 @@
         <p:spPr>
           <a:xfrm>
             <a:off x="2984242" y="2649914"/>
-            <a:ext cx="1365466" cy="396879"/>
+            <a:ext cx="1365467" cy="396880"/>
           </a:xfrm>
           <a:custGeom>
             <a:avLst/>
@@ -4742,7 +4742,7 @@
         <p:spPr>
           <a:xfrm>
             <a:off x="931716" y="2457200"/>
-            <a:ext cx="1997120" cy="358137"/>
+            <a:ext cx="1997119" cy="358137"/>
           </a:xfrm>
           <a:prstGeom prst="rect">
             <a:avLst/>
@@ -4786,8 +4786,8 @@
         </p:nvSpPr>
         <p:spPr>
           <a:xfrm>
-            <a:off x="1096348" y="5837442"/>
-            <a:ext cx="1365467" cy="396879"/>
+            <a:off x="1096347" y="5837442"/>
+            <a:ext cx="1365469" cy="396880"/>
           </a:xfrm>
           <a:custGeom>
             <a:avLst/>
@@ -4902,8 +4902,8 @@
         </p:nvSpPr>
         <p:spPr>
           <a:xfrm>
-            <a:off x="1392228" y="5448120"/>
-            <a:ext cx="1365467" cy="396879"/>
+            <a:off x="1392227" y="5448120"/>
+            <a:ext cx="1365469" cy="396880"/>
           </a:xfrm>
           <a:custGeom>
             <a:avLst/>
@@ -4973,8 +4973,8 @@
         </p:nvSpPr>
         <p:spPr>
           <a:xfrm>
-            <a:off x="16879" y="5258232"/>
-            <a:ext cx="1402401" cy="358137"/>
+            <a:off x="16878" y="5258232"/>
+            <a:ext cx="1402402" cy="358137"/>
           </a:xfrm>
           <a:prstGeom prst="rect">
             <a:avLst/>
@@ -5019,7 +5019,7 @@
         <p:spPr>
           <a:xfrm>
             <a:off x="1659893" y="5032611"/>
-            <a:ext cx="1365469" cy="396879"/>
+            <a:ext cx="1365470" cy="396880"/>
           </a:xfrm>
           <a:custGeom>
             <a:avLst/>
@@ -5135,7 +5135,7 @@
         <p:spPr>
           <a:xfrm>
             <a:off x="3220938" y="2303289"/>
-            <a:ext cx="1365467" cy="396879"/>
+            <a:ext cx="1365468" cy="396880"/>
           </a:xfrm>
           <a:custGeom>
             <a:avLst/>
@@ -5206,7 +5206,7 @@
         <p:spPr>
           <a:xfrm flipH="1">
             <a:off x="9273991" y="4909082"/>
-            <a:ext cx="1265279" cy="581876"/>
+            <a:ext cx="1265280" cy="581877"/>
           </a:xfrm>
           <a:custGeom>
             <a:avLst/>
@@ -5457,7 +5457,7 @@
         <p:spPr>
           <a:xfrm flipH="1">
             <a:off x="7689783" y="2323806"/>
-            <a:ext cx="1265279" cy="581874"/>
+            <a:ext cx="1265280" cy="581874"/>
           </a:xfrm>
           <a:custGeom>
             <a:avLst/>
@@ -5708,7 +5708,7 @@
         <p:spPr>
           <a:xfrm flipH="1">
             <a:off x="8579222" y="3828755"/>
-            <a:ext cx="1265279" cy="581876"/>
+            <a:ext cx="1265280" cy="581877"/>
           </a:xfrm>
           <a:custGeom>
             <a:avLst/>
@@ -5823,8 +5823,8 @@
         </p:nvSpPr>
         <p:spPr>
           <a:xfrm>
-            <a:off x="2806442" y="3018214"/>
-            <a:ext cx="1365466" cy="396879"/>
+            <a:off x="2819142" y="3018214"/>
+            <a:ext cx="1365467" cy="396880"/>
           </a:xfrm>
           <a:custGeom>
             <a:avLst/>
@@ -5894,8 +5894,8 @@
         </p:nvSpPr>
         <p:spPr>
           <a:xfrm>
-            <a:off x="626917" y="2825500"/>
-            <a:ext cx="2169573" cy="358137"/>
+            <a:off x="42717" y="2825500"/>
+            <a:ext cx="2793647" cy="358137"/>
           </a:xfrm>
           <a:prstGeom prst="rect">
             <a:avLst/>
@@ -5926,7 +5926,7 @@
           <a:p>
             <a:pPr/>
             <a:r>
-              <a:t>Industry (NVIDIA, …)</a:t>
+              <a:t>Industry (Intel, NVIDIA, …)</a:t>
             </a:r>
           </a:p>
         </p:txBody>
@@ -5939,8 +5939,8 @@
         </p:nvSpPr>
         <p:spPr>
           <a:xfrm>
-            <a:off x="5466512" y="1671311"/>
-            <a:ext cx="1241184" cy="447037"/>
+            <a:off x="5466512" y="1671310"/>
+            <a:ext cx="1241183" cy="447037"/>
           </a:xfrm>
           <a:prstGeom prst="rect">
             <a:avLst/>
